--- a/ProtoPersonas.pptx
+++ b/ProtoPersonas.pptx
@@ -105,6 +105,11 @@
       </a:defRPr>
     </a:lvl9pPr>
   </p:defaultTextStyle>
+  <p:extLst>
+    <p:ext uri="{EFAFB233-063F-42B5-8137-9DF3F51BA10A}">
+      <p15:sldGuideLst xmlns:p15="http://schemas.microsoft.com/office/powerpoint/2012/main"/>
+    </p:ext>
+  </p:extLst>
 </p:presentation>
 </file>
 
@@ -257,7 +262,7 @@
           <a:p>
             <a:fld id="{0237068E-D746-4600-B868-2591ADD0C52C}" type="datetimeFigureOut">
               <a:rPr lang="pt-BR" smtClean="0"/>
-              <a:t>19/02/2020</a:t>
+              <a:t>09/03/2020</a:t>
             </a:fld>
             <a:endParaRPr lang="pt-BR"/>
           </a:p>
@@ -457,7 +462,7 @@
           <a:p>
             <a:fld id="{0237068E-D746-4600-B868-2591ADD0C52C}" type="datetimeFigureOut">
               <a:rPr lang="pt-BR" smtClean="0"/>
-              <a:t>19/02/2020</a:t>
+              <a:t>09/03/2020</a:t>
             </a:fld>
             <a:endParaRPr lang="pt-BR"/>
           </a:p>
@@ -667,7 +672,7 @@
           <a:p>
             <a:fld id="{0237068E-D746-4600-B868-2591ADD0C52C}" type="datetimeFigureOut">
               <a:rPr lang="pt-BR" smtClean="0"/>
-              <a:t>19/02/2020</a:t>
+              <a:t>09/03/2020</a:t>
             </a:fld>
             <a:endParaRPr lang="pt-BR"/>
           </a:p>
@@ -867,7 +872,7 @@
           <a:p>
             <a:fld id="{0237068E-D746-4600-B868-2591ADD0C52C}" type="datetimeFigureOut">
               <a:rPr lang="pt-BR" smtClean="0"/>
-              <a:t>19/02/2020</a:t>
+              <a:t>09/03/2020</a:t>
             </a:fld>
             <a:endParaRPr lang="pt-BR"/>
           </a:p>
@@ -1143,7 +1148,7 @@
           <a:p>
             <a:fld id="{0237068E-D746-4600-B868-2591ADD0C52C}" type="datetimeFigureOut">
               <a:rPr lang="pt-BR" smtClean="0"/>
-              <a:t>19/02/2020</a:t>
+              <a:t>09/03/2020</a:t>
             </a:fld>
             <a:endParaRPr lang="pt-BR"/>
           </a:p>
@@ -1411,7 +1416,7 @@
           <a:p>
             <a:fld id="{0237068E-D746-4600-B868-2591ADD0C52C}" type="datetimeFigureOut">
               <a:rPr lang="pt-BR" smtClean="0"/>
-              <a:t>19/02/2020</a:t>
+              <a:t>09/03/2020</a:t>
             </a:fld>
             <a:endParaRPr lang="pt-BR"/>
           </a:p>
@@ -1826,7 +1831,7 @@
           <a:p>
             <a:fld id="{0237068E-D746-4600-B868-2591ADD0C52C}" type="datetimeFigureOut">
               <a:rPr lang="pt-BR" smtClean="0"/>
-              <a:t>19/02/2020</a:t>
+              <a:t>09/03/2020</a:t>
             </a:fld>
             <a:endParaRPr lang="pt-BR"/>
           </a:p>
@@ -1968,7 +1973,7 @@
           <a:p>
             <a:fld id="{0237068E-D746-4600-B868-2591ADD0C52C}" type="datetimeFigureOut">
               <a:rPr lang="pt-BR" smtClean="0"/>
-              <a:t>19/02/2020</a:t>
+              <a:t>09/03/2020</a:t>
             </a:fld>
             <a:endParaRPr lang="pt-BR"/>
           </a:p>
@@ -2081,7 +2086,7 @@
           <a:p>
             <a:fld id="{0237068E-D746-4600-B868-2591ADD0C52C}" type="datetimeFigureOut">
               <a:rPr lang="pt-BR" smtClean="0"/>
-              <a:t>19/02/2020</a:t>
+              <a:t>09/03/2020</a:t>
             </a:fld>
             <a:endParaRPr lang="pt-BR"/>
           </a:p>
@@ -2394,7 +2399,7 @@
           <a:p>
             <a:fld id="{0237068E-D746-4600-B868-2591ADD0C52C}" type="datetimeFigureOut">
               <a:rPr lang="pt-BR" smtClean="0"/>
-              <a:t>19/02/2020</a:t>
+              <a:t>09/03/2020</a:t>
             </a:fld>
             <a:endParaRPr lang="pt-BR"/>
           </a:p>
@@ -2683,7 +2688,7 @@
           <a:p>
             <a:fld id="{0237068E-D746-4600-B868-2591ADD0C52C}" type="datetimeFigureOut">
               <a:rPr lang="pt-BR" smtClean="0"/>
-              <a:t>19/02/2020</a:t>
+              <a:t>09/03/2020</a:t>
             </a:fld>
             <a:endParaRPr lang="pt-BR"/>
           </a:p>
@@ -2926,7 +2931,7 @@
           <a:p>
             <a:fld id="{0237068E-D746-4600-B868-2591ADD0C52C}" type="datetimeFigureOut">
               <a:rPr lang="pt-BR" smtClean="0"/>
-              <a:t>19/02/2020</a:t>
+              <a:t>09/03/2020</a:t>
             </a:fld>
             <a:endParaRPr lang="pt-BR"/>
           </a:p>
@@ -4153,7 +4158,7 @@
         <p:spPr>
           <a:xfrm>
             <a:off x="496101" y="1935320"/>
-            <a:ext cx="377026" cy="369332"/>
+            <a:ext cx="5430333" cy="923330"/>
           </a:xfrm>
           <a:prstGeom prst="rect">
             <a:avLst/>
@@ -4168,7 +4173,19 @@
           <a:p>
             <a:r>
               <a:rPr lang="pt-BR" dirty="0"/>
-              <a:t>“”</a:t>
+              <a:t>“Gostaria de ter um conteúdo mais diversificado e estar</a:t>
+            </a:r>
+          </a:p>
+          <a:p>
+            <a:r>
+              <a:rPr lang="pt-BR" dirty="0"/>
+              <a:t>mais próximo dos artistas que fazem meu estilo, porém,</a:t>
+            </a:r>
+          </a:p>
+          <a:p>
+            <a:r>
+              <a:rPr lang="pt-BR" dirty="0"/>
+              <a:t>não conheço. ”</a:t>
             </a:r>
           </a:p>
         </p:txBody>
@@ -4354,7 +4371,7 @@
             </a:pPr>
             <a:r>
               <a:rPr lang="pt-BR" dirty="0"/>
-              <a:t>Jovem (entre 18 a 30 anos);</a:t>
+              <a:t>Gosta de Arte;</a:t>
             </a:r>
           </a:p>
           <a:p>
@@ -4367,7 +4384,7 @@
             </a:pPr>
             <a:r>
               <a:rPr lang="pt-BR" dirty="0"/>
-              <a:t>Trabalha e estuda;</a:t>
+              <a:t>18-35 anos;</a:t>
             </a:r>
           </a:p>
           <a:p>
@@ -4380,7 +4397,7 @@
             </a:pPr>
             <a:r>
               <a:rPr lang="pt-BR" dirty="0"/>
-              <a:t>Arte não é seu principal trabalho;</a:t>
+              <a:t>Tem engajamento Social;</a:t>
             </a:r>
           </a:p>
           <a:p>
@@ -4393,7 +4410,7 @@
             </a:pPr>
             <a:r>
               <a:rPr lang="pt-BR" dirty="0"/>
-              <a:t>Inexperiente no mercado;</a:t>
+              <a:t>Mora em zona urbana;</a:t>
             </a:r>
           </a:p>
           <a:p>
@@ -4406,7 +4423,7 @@
             </a:pPr>
             <a:r>
               <a:rPr lang="pt-BR" dirty="0"/>
-              <a:t>Não tem um networking muito abrangente.</a:t>
+              <a:t>Tem uma sensibilidade a expressões humanas.</a:t>
             </a:r>
           </a:p>
         </p:txBody>
@@ -4448,7 +4465,7 @@
             </a:pPr>
             <a:r>
               <a:rPr lang="pt-BR" dirty="0"/>
-              <a:t>O mercado da arte é muito fechado e elitizado;</a:t>
+              <a:t>Se perde ao tentar encontrar arte;</a:t>
             </a:r>
           </a:p>
           <a:p>
@@ -4461,7 +4478,7 @@
             </a:pPr>
             <a:r>
               <a:rPr lang="pt-BR" dirty="0"/>
-              <a:t>É preciso investir muito para crescer como artista (tempo e dinheiro);</a:t>
+              <a:t>Pouco acesso a informações (ferramentas) para explorar a arte à sua volta;</a:t>
             </a:r>
           </a:p>
           <a:p>
@@ -4474,7 +4491,20 @@
             </a:pPr>
             <a:r>
               <a:rPr lang="pt-BR" dirty="0"/>
-              <a:t>Não consegue divulgar sua arte já que não existe um incentivo social para que as pessoas se interessem e consumam;</a:t>
+              <a:t>A necessidade visceral de consumir arte constantemente;</a:t>
+            </a:r>
+          </a:p>
+          <a:p>
+            <a:pPr marL="285750" indent="-285750">
+              <a:lnSpc>
+                <a:spcPct val="150000"/>
+              </a:lnSpc>
+              <a:buFont typeface="Arial" panose="020B0604020202020204" pitchFamily="34" charset="0"/>
+              <a:buChar char="•"/>
+            </a:pPr>
+            <a:r>
+              <a:rPr lang="pt-BR" dirty="0"/>
+              <a:t>Não sabe por onde começar a procurar arte;</a:t>
             </a:r>
           </a:p>
         </p:txBody>
@@ -4516,7 +4546,7 @@
             </a:pPr>
             <a:r>
               <a:rPr lang="pt-BR" dirty="0"/>
-              <a:t>Algo que conecte este artista diretamente com o público interessado em seu campo artístico</a:t>
+              <a:t>Facilitar a busca do usuário pelo segmento e estilo de arte desejado;</a:t>
             </a:r>
           </a:p>
           <a:p>
@@ -4529,7 +4559,7 @@
             </a:pPr>
             <a:r>
               <a:rPr lang="pt-BR" dirty="0"/>
-              <a:t>Ter mais divulgação </a:t>
+              <a:t>Intermediar a conversa dele com o(s) artista(s);</a:t>
             </a:r>
           </a:p>
           <a:p>
@@ -4542,7 +4572,7 @@
             </a:pPr>
             <a:r>
               <a:rPr lang="pt-BR" dirty="0"/>
-              <a:t>Ter incentivos monetários</a:t>
+              <a:t>Informar quando algo novo surge;</a:t>
             </a:r>
           </a:p>
           <a:p>
@@ -4555,7 +4585,7 @@
             </a:pPr>
             <a:r>
               <a:rPr lang="pt-BR" dirty="0"/>
-              <a:t>Criar um portifólio consistente e centralizado</a:t>
+              <a:t>Mostrar artistas mais próximos (fisicamente).</a:t>
             </a:r>
           </a:p>
         </p:txBody>
@@ -4574,8 +4604,8 @@
         </p:nvSpPr>
         <p:spPr>
           <a:xfrm>
-            <a:off x="3743657" y="2789166"/>
-            <a:ext cx="308098" cy="369332"/>
+            <a:off x="3383065" y="2673984"/>
+            <a:ext cx="2494273" cy="369332"/>
           </a:xfrm>
           <a:prstGeom prst="rect">
             <a:avLst/>
@@ -4590,7 +4620,7 @@
           <a:p>
             <a:r>
               <a:rPr lang="pt-BR" b="1" dirty="0"/>
-              <a:t>- </a:t>
+              <a:t>- Respondente Anônimo</a:t>
             </a:r>
           </a:p>
         </p:txBody>

--- a/ProtoPersonas.pptx
+++ b/ProtoPersonas.pptx
@@ -262,7 +262,7 @@
           <a:p>
             <a:fld id="{0237068E-D746-4600-B868-2591ADD0C52C}" type="datetimeFigureOut">
               <a:rPr lang="pt-BR" smtClean="0"/>
-              <a:t>09/03/2020</a:t>
+              <a:t>10/03/2020</a:t>
             </a:fld>
             <a:endParaRPr lang="pt-BR"/>
           </a:p>
@@ -462,7 +462,7 @@
           <a:p>
             <a:fld id="{0237068E-D746-4600-B868-2591ADD0C52C}" type="datetimeFigureOut">
               <a:rPr lang="pt-BR" smtClean="0"/>
-              <a:t>09/03/2020</a:t>
+              <a:t>10/03/2020</a:t>
             </a:fld>
             <a:endParaRPr lang="pt-BR"/>
           </a:p>
@@ -672,7 +672,7 @@
           <a:p>
             <a:fld id="{0237068E-D746-4600-B868-2591ADD0C52C}" type="datetimeFigureOut">
               <a:rPr lang="pt-BR" smtClean="0"/>
-              <a:t>09/03/2020</a:t>
+              <a:t>10/03/2020</a:t>
             </a:fld>
             <a:endParaRPr lang="pt-BR"/>
           </a:p>
@@ -872,7 +872,7 @@
           <a:p>
             <a:fld id="{0237068E-D746-4600-B868-2591ADD0C52C}" type="datetimeFigureOut">
               <a:rPr lang="pt-BR" smtClean="0"/>
-              <a:t>09/03/2020</a:t>
+              <a:t>10/03/2020</a:t>
             </a:fld>
             <a:endParaRPr lang="pt-BR"/>
           </a:p>
@@ -1148,7 +1148,7 @@
           <a:p>
             <a:fld id="{0237068E-D746-4600-B868-2591ADD0C52C}" type="datetimeFigureOut">
               <a:rPr lang="pt-BR" smtClean="0"/>
-              <a:t>09/03/2020</a:t>
+              <a:t>10/03/2020</a:t>
             </a:fld>
             <a:endParaRPr lang="pt-BR"/>
           </a:p>
@@ -1416,7 +1416,7 @@
           <a:p>
             <a:fld id="{0237068E-D746-4600-B868-2591ADD0C52C}" type="datetimeFigureOut">
               <a:rPr lang="pt-BR" smtClean="0"/>
-              <a:t>09/03/2020</a:t>
+              <a:t>10/03/2020</a:t>
             </a:fld>
             <a:endParaRPr lang="pt-BR"/>
           </a:p>
@@ -1831,7 +1831,7 @@
           <a:p>
             <a:fld id="{0237068E-D746-4600-B868-2591ADD0C52C}" type="datetimeFigureOut">
               <a:rPr lang="pt-BR" smtClean="0"/>
-              <a:t>09/03/2020</a:t>
+              <a:t>10/03/2020</a:t>
             </a:fld>
             <a:endParaRPr lang="pt-BR"/>
           </a:p>
@@ -1973,7 +1973,7 @@
           <a:p>
             <a:fld id="{0237068E-D746-4600-B868-2591ADD0C52C}" type="datetimeFigureOut">
               <a:rPr lang="pt-BR" smtClean="0"/>
-              <a:t>09/03/2020</a:t>
+              <a:t>10/03/2020</a:t>
             </a:fld>
             <a:endParaRPr lang="pt-BR"/>
           </a:p>
@@ -2086,7 +2086,7 @@
           <a:p>
             <a:fld id="{0237068E-D746-4600-B868-2591ADD0C52C}" type="datetimeFigureOut">
               <a:rPr lang="pt-BR" smtClean="0"/>
-              <a:t>09/03/2020</a:t>
+              <a:t>10/03/2020</a:t>
             </a:fld>
             <a:endParaRPr lang="pt-BR"/>
           </a:p>
@@ -2399,7 +2399,7 @@
           <a:p>
             <a:fld id="{0237068E-D746-4600-B868-2591ADD0C52C}" type="datetimeFigureOut">
               <a:rPr lang="pt-BR" smtClean="0"/>
-              <a:t>09/03/2020</a:t>
+              <a:t>10/03/2020</a:t>
             </a:fld>
             <a:endParaRPr lang="pt-BR"/>
           </a:p>
@@ -2688,7 +2688,7 @@
           <a:p>
             <a:fld id="{0237068E-D746-4600-B868-2591ADD0C52C}" type="datetimeFigureOut">
               <a:rPr lang="pt-BR" smtClean="0"/>
-              <a:t>09/03/2020</a:t>
+              <a:t>10/03/2020</a:t>
             </a:fld>
             <a:endParaRPr lang="pt-BR"/>
           </a:p>
@@ -2931,7 +2931,7 @@
           <a:p>
             <a:fld id="{0237068E-D746-4600-B868-2591ADD0C52C}" type="datetimeFigureOut">
               <a:rPr lang="pt-BR" smtClean="0"/>
-              <a:t>09/03/2020</a:t>
+              <a:t>10/03/2020</a:t>
             </a:fld>
             <a:endParaRPr lang="pt-BR"/>
           </a:p>
@@ -4423,7 +4423,7 @@
             </a:pPr>
             <a:r>
               <a:rPr lang="pt-BR" dirty="0"/>
-              <a:t>Tem uma sensibilidade a expressões humanas.</a:t>
+              <a:t>Tem sensibilidade a expressões humanas.</a:t>
             </a:r>
           </a:p>
         </p:txBody>
